--- a/pres-bigdata/Hands-On/BigData-Spark-TD2.pptx
+++ b/pres-bigdata/Hands-On/BigData-Spark-TD2.pptx
@@ -327,7 +327,7 @@
           <a:p>
             <a:fld id="{F68A345C-DDF1-46AA-AE20-BB9626A0470D}" type="datetimeFigureOut">
               <a:rPr lang="fr-FR" smtClean="0"/>
-              <a:t>23/11/2022</a:t>
+              <a:t>13/11/2024</a:t>
             </a:fld>
             <a:endParaRPr lang="fr-FR"/>
           </a:p>
@@ -527,7 +527,7 @@
           <a:p>
             <a:fld id="{F68A345C-DDF1-46AA-AE20-BB9626A0470D}" type="datetimeFigureOut">
               <a:rPr lang="fr-FR" smtClean="0"/>
-              <a:t>23/11/2022</a:t>
+              <a:t>13/11/2024</a:t>
             </a:fld>
             <a:endParaRPr lang="fr-FR"/>
           </a:p>
@@ -737,7 +737,7 @@
           <a:p>
             <a:fld id="{F68A345C-DDF1-46AA-AE20-BB9626A0470D}" type="datetimeFigureOut">
               <a:rPr lang="fr-FR" smtClean="0"/>
-              <a:t>23/11/2022</a:t>
+              <a:t>13/11/2024</a:t>
             </a:fld>
             <a:endParaRPr lang="fr-FR"/>
           </a:p>
@@ -937,7 +937,7 @@
           <a:p>
             <a:fld id="{F68A345C-DDF1-46AA-AE20-BB9626A0470D}" type="datetimeFigureOut">
               <a:rPr lang="fr-FR" smtClean="0"/>
-              <a:t>23/11/2022</a:t>
+              <a:t>13/11/2024</a:t>
             </a:fld>
             <a:endParaRPr lang="fr-FR"/>
           </a:p>
@@ -1213,7 +1213,7 @@
           <a:p>
             <a:fld id="{F68A345C-DDF1-46AA-AE20-BB9626A0470D}" type="datetimeFigureOut">
               <a:rPr lang="fr-FR" smtClean="0"/>
-              <a:t>23/11/2022</a:t>
+              <a:t>13/11/2024</a:t>
             </a:fld>
             <a:endParaRPr lang="fr-FR"/>
           </a:p>
@@ -1481,7 +1481,7 @@
           <a:p>
             <a:fld id="{F68A345C-DDF1-46AA-AE20-BB9626A0470D}" type="datetimeFigureOut">
               <a:rPr lang="fr-FR" smtClean="0"/>
-              <a:t>23/11/2022</a:t>
+              <a:t>13/11/2024</a:t>
             </a:fld>
             <a:endParaRPr lang="fr-FR"/>
           </a:p>
@@ -1896,7 +1896,7 @@
           <a:p>
             <a:fld id="{F68A345C-DDF1-46AA-AE20-BB9626A0470D}" type="datetimeFigureOut">
               <a:rPr lang="fr-FR" smtClean="0"/>
-              <a:t>23/11/2022</a:t>
+              <a:t>13/11/2024</a:t>
             </a:fld>
             <a:endParaRPr lang="fr-FR"/>
           </a:p>
@@ -2038,7 +2038,7 @@
           <a:p>
             <a:fld id="{F68A345C-DDF1-46AA-AE20-BB9626A0470D}" type="datetimeFigureOut">
               <a:rPr lang="fr-FR" smtClean="0"/>
-              <a:t>23/11/2022</a:t>
+              <a:t>13/11/2024</a:t>
             </a:fld>
             <a:endParaRPr lang="fr-FR"/>
           </a:p>
@@ -2151,7 +2151,7 @@
           <a:p>
             <a:fld id="{F68A345C-DDF1-46AA-AE20-BB9626A0470D}" type="datetimeFigureOut">
               <a:rPr lang="fr-FR" smtClean="0"/>
-              <a:t>23/11/2022</a:t>
+              <a:t>13/11/2024</a:t>
             </a:fld>
             <a:endParaRPr lang="fr-FR"/>
           </a:p>
@@ -2464,7 +2464,7 @@
           <a:p>
             <a:fld id="{F68A345C-DDF1-46AA-AE20-BB9626A0470D}" type="datetimeFigureOut">
               <a:rPr lang="fr-FR" smtClean="0"/>
-              <a:t>23/11/2022</a:t>
+              <a:t>13/11/2024</a:t>
             </a:fld>
             <a:endParaRPr lang="fr-FR"/>
           </a:p>
@@ -2753,7 +2753,7 @@
           <a:p>
             <a:fld id="{F68A345C-DDF1-46AA-AE20-BB9626A0470D}" type="datetimeFigureOut">
               <a:rPr lang="fr-FR" smtClean="0"/>
-              <a:t>23/11/2022</a:t>
+              <a:t>13/11/2024</a:t>
             </a:fld>
             <a:endParaRPr lang="fr-FR"/>
           </a:p>
@@ -2996,7 +2996,7 @@
           <a:p>
             <a:fld id="{F68A345C-DDF1-46AA-AE20-BB9626A0470D}" type="datetimeFigureOut">
               <a:rPr lang="fr-FR" smtClean="0"/>
-              <a:t>23/11/2022</a:t>
+              <a:t>13/11/2024</a:t>
             </a:fld>
             <a:endParaRPr lang="fr-FR"/>
           </a:p>
@@ -3429,7 +3429,12 @@
             <p:ph type="ctrTitle"/>
           </p:nvPr>
         </p:nvSpPr>
-        <p:spPr/>
+        <p:spPr>
+          <a:xfrm>
+            <a:off x="1524000" y="1122362"/>
+            <a:ext cx="9144000" cy="3413243"/>
+          </a:xfrm>
+        </p:spPr>
         <p:txBody>
           <a:bodyPr/>
           <a:lstStyle/>
@@ -3448,6 +3453,16 @@
             <a:r>
               <a:rPr lang="fr-FR" dirty="0"/>
               <a:t>Hands-On : File IO</a:t>
+            </a:r>
+            <a:br>
+              <a:rPr lang="fr-FR" dirty="0"/>
+            </a:br>
+            <a:br>
+              <a:rPr lang="fr-FR" dirty="0"/>
+            </a:br>
+            <a:r>
+              <a:rPr lang="fr-FR" dirty="0"/>
+              <a:t>TD2 part 1/2</a:t>
             </a:r>
           </a:p>
         </p:txBody>
@@ -3470,8 +3485,8 @@
         </p:nvSpPr>
         <p:spPr>
           <a:xfrm>
-            <a:off x="1524000" y="5663953"/>
-            <a:ext cx="9144000" cy="592584"/>
+            <a:off x="1524000" y="5167952"/>
+            <a:ext cx="9144000" cy="1088585"/>
           </a:xfrm>
         </p:spPr>
         <p:txBody>
@@ -3482,26 +3497,21 @@
           <a:p>
             <a:r>
               <a:rPr lang="fr-FR" dirty="0"/>
-              <a:t>Arnaud </a:t>
-            </a:r>
-            <a:r>
-              <a:rPr lang="fr-FR" dirty="0" err="1"/>
-              <a:t>Nauwynck</a:t>
-            </a:r>
+              <a:t>arnaud.nauwynck@gmail.com</a:t>
+            </a:r>
+          </a:p>
+          <a:p>
             <a:br>
               <a:rPr lang="fr-FR" dirty="0"/>
             </a:br>
             <a:r>
               <a:rPr lang="fr-FR" dirty="0" err="1"/>
-              <a:t>Nov</a:t>
-            </a:r>
-            <a:r>
-              <a:rPr lang="fr-FR" dirty="0"/>
-              <a:t> 2022</a:t>
-            </a:r>
-          </a:p>
-          <a:p>
-            <a:endParaRPr lang="fr-FR" dirty="0"/>
+              <a:t>Esilv</a:t>
+            </a:r>
+            <a:r>
+              <a:rPr lang="fr-FR" dirty="0"/>
+              <a:t> 2024</a:t>
+            </a:r>
           </a:p>
         </p:txBody>
       </p:sp>
@@ -13243,7 +13253,7 @@
         <p:spPr>
           <a:xfrm>
             <a:off x="2313722" y="2468095"/>
-            <a:ext cx="3401059" cy="3970318"/>
+            <a:ext cx="3401059" cy="3416320"/>
           </a:xfrm>
           <a:prstGeom prst="rect">
             <a:avLst/>
@@ -13320,23 +13330,16 @@
             </a:r>
             <a:r>
               <a:rPr lang="fr-FR" dirty="0" err="1"/>
-              <a:t>allAdressCsvDs.cache</a:t>
-            </a:r>
-            <a:endParaRPr lang="fr-FR" dirty="0"/>
-          </a:p>
-          <a:p>
-            <a:endParaRPr lang="fr-FR" dirty="0"/>
-          </a:p>
-          <a:p>
-            <a:r>
-              <a:rPr lang="fr-FR" dirty="0"/>
-              <a:t>scala&gt; </a:t>
-            </a:r>
-            <a:r>
-              <a:rPr lang="fr-FR" dirty="0" err="1"/>
-              <a:t>allAdressCsvDs.count</a:t>
-            </a:r>
-            <a:endParaRPr lang="fr-FR" dirty="0"/>
+              <a:t>allAdressCsvDs.</a:t>
+            </a:r>
+            <a:r>
+              <a:rPr lang="fr-FR" b="1" dirty="0" err="1"/>
+              <a:t>cache</a:t>
+            </a:r>
+            <a:r>
+              <a:rPr lang="fr-FR" b="1" dirty="0"/>
+              <a:t>()</a:t>
+            </a:r>
           </a:p>
           <a:p>
             <a:endParaRPr lang="fr-FR" dirty="0"/>
@@ -14014,7 +14017,7 @@
         <p:spPr>
           <a:xfrm>
             <a:off x="2313722" y="2468095"/>
-            <a:ext cx="3401059" cy="3970318"/>
+            <a:ext cx="3401059" cy="3693319"/>
           </a:xfrm>
           <a:prstGeom prst="rect">
             <a:avLst/>
@@ -14091,14 +14094,35 @@
             </a:r>
             <a:r>
               <a:rPr lang="fr-FR" dirty="0" err="1"/>
-              <a:t>allAdressCsvDs.cache</a:t>
-            </a:r>
+              <a:t>allAdressCsvDs.</a:t>
+            </a:r>
+            <a:r>
+              <a:rPr lang="fr-FR" b="1" dirty="0" err="1"/>
+              <a:t>cache</a:t>
+            </a:r>
+            <a:r>
+              <a:rPr lang="fr-FR" b="1" dirty="0"/>
+              <a:t>()</a:t>
+            </a:r>
+          </a:p>
+          <a:p>
             <a:endParaRPr lang="fr-FR" dirty="0"/>
           </a:p>
           <a:p>
+            <a:r>
+              <a:rPr lang="fr-FR" dirty="0"/>
+              <a:t>scala&gt; </a:t>
+            </a:r>
+            <a:r>
+              <a:rPr lang="fr-FR" dirty="0" err="1"/>
+              <a:t>allAdressCsvDs.count</a:t>
+            </a:r>
             <a:endParaRPr lang="fr-FR" dirty="0"/>
           </a:p>
           <a:p>
+            <a:endParaRPr lang="fr-FR" dirty="0"/>
+          </a:p>
+          <a:p>
             <a:r>
               <a:rPr lang="fr-FR" dirty="0"/>
               <a:t>scala&gt; </a:t>
@@ -14110,31 +14134,6 @@
             <a:endParaRPr lang="fr-FR" dirty="0"/>
           </a:p>
           <a:p>
-            <a:endParaRPr lang="fr-FR" dirty="0"/>
-          </a:p>
-          <a:p>
-            <a:r>
-              <a:rPr lang="fr-FR" dirty="0"/>
-              <a:t>scala&gt; </a:t>
-            </a:r>
-            <a:r>
-              <a:rPr lang="fr-FR" dirty="0" err="1"/>
-              <a:t>allAdressCsvDs.count</a:t>
-            </a:r>
-            <a:endParaRPr lang="fr-FR" dirty="0"/>
-          </a:p>
-          <a:p>
-            <a:endParaRPr lang="fr-FR" dirty="0"/>
-          </a:p>
-          <a:p>
-            <a:r>
-              <a:rPr lang="fr-FR" dirty="0"/>
-              <a:t>scala&gt; </a:t>
-            </a:r>
-            <a:r>
-              <a:rPr lang="fr-FR" dirty="0" err="1"/>
-              <a:t>allAdressCsvDs.count</a:t>
-            </a:r>
             <a:endParaRPr lang="fr-FR" dirty="0"/>
           </a:p>
           <a:p>

--- a/pres-bigdata/Hands-On/BigData-Spark-TD2.pptx
+++ b/pres-bigdata/Hands-On/BigData-Spark-TD2.pptx
@@ -327,7 +327,7 @@
           <a:p>
             <a:fld id="{F68A345C-DDF1-46AA-AE20-BB9626A0470D}" type="datetimeFigureOut">
               <a:rPr lang="fr-FR" smtClean="0"/>
-              <a:t>13/11/2024</a:t>
+              <a:t>08/12/2024</a:t>
             </a:fld>
             <a:endParaRPr lang="fr-FR"/>
           </a:p>
@@ -527,7 +527,7 @@
           <a:p>
             <a:fld id="{F68A345C-DDF1-46AA-AE20-BB9626A0470D}" type="datetimeFigureOut">
               <a:rPr lang="fr-FR" smtClean="0"/>
-              <a:t>13/11/2024</a:t>
+              <a:t>08/12/2024</a:t>
             </a:fld>
             <a:endParaRPr lang="fr-FR"/>
           </a:p>
@@ -737,7 +737,7 @@
           <a:p>
             <a:fld id="{F68A345C-DDF1-46AA-AE20-BB9626A0470D}" type="datetimeFigureOut">
               <a:rPr lang="fr-FR" smtClean="0"/>
-              <a:t>13/11/2024</a:t>
+              <a:t>08/12/2024</a:t>
             </a:fld>
             <a:endParaRPr lang="fr-FR"/>
           </a:p>
@@ -937,7 +937,7 @@
           <a:p>
             <a:fld id="{F68A345C-DDF1-46AA-AE20-BB9626A0470D}" type="datetimeFigureOut">
               <a:rPr lang="fr-FR" smtClean="0"/>
-              <a:t>13/11/2024</a:t>
+              <a:t>08/12/2024</a:t>
             </a:fld>
             <a:endParaRPr lang="fr-FR"/>
           </a:p>
@@ -1213,7 +1213,7 @@
           <a:p>
             <a:fld id="{F68A345C-DDF1-46AA-AE20-BB9626A0470D}" type="datetimeFigureOut">
               <a:rPr lang="fr-FR" smtClean="0"/>
-              <a:t>13/11/2024</a:t>
+              <a:t>08/12/2024</a:t>
             </a:fld>
             <a:endParaRPr lang="fr-FR"/>
           </a:p>
@@ -1481,7 +1481,7 @@
           <a:p>
             <a:fld id="{F68A345C-DDF1-46AA-AE20-BB9626A0470D}" type="datetimeFigureOut">
               <a:rPr lang="fr-FR" smtClean="0"/>
-              <a:t>13/11/2024</a:t>
+              <a:t>08/12/2024</a:t>
             </a:fld>
             <a:endParaRPr lang="fr-FR"/>
           </a:p>
@@ -1896,7 +1896,7 @@
           <a:p>
             <a:fld id="{F68A345C-DDF1-46AA-AE20-BB9626A0470D}" type="datetimeFigureOut">
               <a:rPr lang="fr-FR" smtClean="0"/>
-              <a:t>13/11/2024</a:t>
+              <a:t>08/12/2024</a:t>
             </a:fld>
             <a:endParaRPr lang="fr-FR"/>
           </a:p>
@@ -2038,7 +2038,7 @@
           <a:p>
             <a:fld id="{F68A345C-DDF1-46AA-AE20-BB9626A0470D}" type="datetimeFigureOut">
               <a:rPr lang="fr-FR" smtClean="0"/>
-              <a:t>13/11/2024</a:t>
+              <a:t>08/12/2024</a:t>
             </a:fld>
             <a:endParaRPr lang="fr-FR"/>
           </a:p>
@@ -2151,7 +2151,7 @@
           <a:p>
             <a:fld id="{F68A345C-DDF1-46AA-AE20-BB9626A0470D}" type="datetimeFigureOut">
               <a:rPr lang="fr-FR" smtClean="0"/>
-              <a:t>13/11/2024</a:t>
+              <a:t>08/12/2024</a:t>
             </a:fld>
             <a:endParaRPr lang="fr-FR"/>
           </a:p>
@@ -2464,7 +2464,7 @@
           <a:p>
             <a:fld id="{F68A345C-DDF1-46AA-AE20-BB9626A0470D}" type="datetimeFigureOut">
               <a:rPr lang="fr-FR" smtClean="0"/>
-              <a:t>13/11/2024</a:t>
+              <a:t>08/12/2024</a:t>
             </a:fld>
             <a:endParaRPr lang="fr-FR"/>
           </a:p>
@@ -2753,7 +2753,7 @@
           <a:p>
             <a:fld id="{F68A345C-DDF1-46AA-AE20-BB9626A0470D}" type="datetimeFigureOut">
               <a:rPr lang="fr-FR" smtClean="0"/>
-              <a:t>13/11/2024</a:t>
+              <a:t>08/12/2024</a:t>
             </a:fld>
             <a:endParaRPr lang="fr-FR"/>
           </a:p>
@@ -2996,7 +2996,7 @@
           <a:p>
             <a:fld id="{F68A345C-DDF1-46AA-AE20-BB9626A0470D}" type="datetimeFigureOut">
               <a:rPr lang="fr-FR" smtClean="0"/>
-              <a:t>13/11/2024</a:t>
+              <a:t>08/12/2024</a:t>
             </a:fld>
             <a:endParaRPr lang="fr-FR"/>
           </a:p>
